--- a/CAS PRATIQUE.pptx
+++ b/CAS PRATIQUE.pptx
@@ -4185,8 +4185,8 @@
         </p:nvSpPr>
         <p:spPr>
           <a:xfrm>
-            <a:off x="451771" y="1750722"/>
-            <a:ext cx="9346498" cy="4338709"/>
+            <a:off x="392135" y="987397"/>
+            <a:ext cx="11169061" cy="4972106"/>
           </a:xfrm>
         </p:spPr>
         <p:txBody>
@@ -4420,8 +4420,9 @@
             </a:r>
           </a:p>
           <a:p>
-            <a:pPr marL="914400" lvl="2" indent="0">
-              <a:buNone/>
+            <a:pPr marL="1428750" lvl="2" indent="-514350">
+              <a:buFont typeface="+mj-lt"/>
+              <a:buAutoNum type="arabicPeriod"/>
             </a:pPr>
             <a:endParaRPr lang="fr-FR" sz="1200" dirty="0"/>
           </a:p>
@@ -4430,14 +4431,92 @@
               <a:buFont typeface="+mj-lt"/>
               <a:buAutoNum type="arabicPeriod"/>
             </a:pPr>
-            <a:endParaRPr lang="fr-FR" sz="1000" dirty="0"/>
+            <a:r>
+              <a:rPr lang="fr-FR" sz="1600" dirty="0"/>
+              <a:t>Utiliser les tests (automatisés)</a:t>
+            </a:r>
+          </a:p>
+          <a:p>
+            <a:pPr marL="1428750" lvl="2" indent="-514350">
+              <a:buFont typeface="+mj-lt"/>
+              <a:buAutoNum type="arabicPeriod"/>
+            </a:pPr>
+            <a:r>
+              <a:rPr lang="fr-FR" sz="1200" dirty="0"/>
+              <a:t>Utiliser </a:t>
+            </a:r>
+            <a:r>
+              <a:rPr lang="fr-FR" sz="1200" dirty="0" err="1"/>
+              <a:t>pytest</a:t>
+            </a:r>
+            <a:r>
+              <a:rPr lang="fr-FR" sz="1200" dirty="0"/>
+              <a:t> pour détecter les dag cycliques lors de la publication sur la </a:t>
+            </a:r>
+            <a:r>
+              <a:rPr lang="fr-FR" sz="1200" dirty="0" err="1"/>
+              <a:t>branch</a:t>
+            </a:r>
+            <a:r>
+              <a:rPr lang="fr-FR" sz="1200" dirty="0"/>
+              <a:t> de prod</a:t>
+            </a:r>
+          </a:p>
+          <a:p>
+            <a:pPr marL="1428750" lvl="2" indent="-514350">
+              <a:buFont typeface="+mj-lt"/>
+              <a:buAutoNum type="arabicPeriod"/>
+            </a:pPr>
+            <a:endParaRPr lang="fr-FR" sz="1200" dirty="0"/>
           </a:p>
           <a:p>
             <a:pPr marL="971550" lvl="1" indent="-514350">
               <a:buFont typeface="+mj-lt"/>
               <a:buAutoNum type="arabicPeriod"/>
             </a:pPr>
-            <a:endParaRPr lang="fr-FR" sz="1000" dirty="0"/>
+            <a:r>
+              <a:rPr lang="fr-FR" sz="1600" dirty="0"/>
+              <a:t>Environnement de recette</a:t>
+            </a:r>
+          </a:p>
+          <a:p>
+            <a:pPr marL="1428750" lvl="2" indent="-514350">
+              <a:buFont typeface="+mj-lt"/>
+              <a:buAutoNum type="arabicPeriod"/>
+            </a:pPr>
+            <a:r>
+              <a:rPr lang="fr-FR" sz="1200" dirty="0"/>
+              <a:t>Avant de pousser le pipeline en prod, utiliser des </a:t>
+            </a:r>
+            <a:r>
+              <a:rPr lang="fr-FR" sz="1200" dirty="0" err="1"/>
+              <a:t>database</a:t>
+            </a:r>
+            <a:r>
+              <a:rPr lang="fr-FR" sz="1200" dirty="0"/>
+              <a:t> de </a:t>
+            </a:r>
+            <a:r>
+              <a:rPr lang="fr-FR" sz="1200" dirty="0" err="1"/>
+              <a:t>staging</a:t>
+            </a:r>
+            <a:endParaRPr lang="fr-FR" sz="1200" dirty="0"/>
+          </a:p>
+          <a:p>
+            <a:pPr marL="1428750" lvl="2" indent="-514350">
+              <a:buFont typeface="+mj-lt"/>
+              <a:buAutoNum type="arabicPeriod"/>
+            </a:pPr>
+            <a:r>
+              <a:rPr lang="fr-FR" sz="1200" dirty="0"/>
+              <a:t>Créer une variable pour indiquer le mode dans lequel on se trouve : REC/PROD</a:t>
+            </a:r>
+          </a:p>
+          <a:p>
+            <a:pPr marL="914400" lvl="2" indent="0">
+              <a:buNone/>
+            </a:pPr>
+            <a:endParaRPr lang="fr-FR" sz="1200" dirty="0"/>
           </a:p>
           <a:p>
             <a:pPr marL="971550" lvl="1" indent="-514350">
@@ -4460,6 +4539,20 @@
             </a:pPr>
             <a:endParaRPr lang="fr-FR" sz="1000" dirty="0"/>
           </a:p>
+          <a:p>
+            <a:pPr marL="971550" lvl="1" indent="-514350">
+              <a:buFont typeface="+mj-lt"/>
+              <a:buAutoNum type="arabicPeriod"/>
+            </a:pPr>
+            <a:endParaRPr lang="fr-FR" sz="1000" dirty="0"/>
+          </a:p>
+          <a:p>
+            <a:pPr marL="971550" lvl="1" indent="-514350">
+              <a:buFont typeface="+mj-lt"/>
+              <a:buAutoNum type="arabicPeriod"/>
+            </a:pPr>
+            <a:endParaRPr lang="fr-FR" sz="1000" dirty="0"/>
+          </a:p>
         </p:txBody>
       </p:sp>
       <p:sp>
@@ -4480,7 +4573,7 @@
         </p:nvSpPr>
         <p:spPr>
           <a:xfrm>
-            <a:off x="838200" y="204222"/>
+            <a:off x="873981" y="124709"/>
             <a:ext cx="10515600" cy="1325563"/>
           </a:xfrm>
         </p:spPr>
@@ -4490,8 +4583,13 @@
           <a:p>
             <a:r>
               <a:rPr lang="fr-FR" dirty="0"/>
-              <a:t>Réponses aux questions</a:t>
-            </a:r>
+              <a:t>Next </a:t>
+            </a:r>
+            <a:r>
+              <a:rPr lang="fr-FR" dirty="0" err="1"/>
+              <a:t>steps</a:t>
+            </a:r>
+            <a:endParaRPr lang="fr-FR" dirty="0"/>
           </a:p>
         </p:txBody>
       </p:sp>
@@ -9858,20 +9956,20 @@
 </file>
 
 <file path=customXml/item2.xml><?xml version="1.0" encoding="utf-8"?>
-<p:properties xmlns:p="http://schemas.microsoft.com/office/2006/metadata/properties" xmlns:xsi="http://www.w3.org/2001/XMLSchema-instance" xmlns:pc="http://schemas.microsoft.com/office/infopath/2007/PartnerControls">
-  <documentManagement>
-    <_activity xmlns="2979fb8a-27ed-43f5-adc8-4ac5a38b341a" xsi:nil="true"/>
-  </documentManagement>
-</p:properties>
-</file>
-
-<file path=customXml/item3.xml><?xml version="1.0" encoding="utf-8"?>
 <?mso-contentType ?>
 <FormTemplates xmlns="http://schemas.microsoft.com/sharepoint/v3/contenttype/forms">
   <Display>DocumentLibraryForm</Display>
   <Edit>DocumentLibraryForm</Edit>
   <New>DocumentLibraryForm</New>
 </FormTemplates>
+</file>
+
+<file path=customXml/item3.xml><?xml version="1.0" encoding="utf-8"?>
+<p:properties xmlns:p="http://schemas.microsoft.com/office/2006/metadata/properties" xmlns:xsi="http://www.w3.org/2001/XMLSchema-instance" xmlns:pc="http://schemas.microsoft.com/office/infopath/2007/PartnerControls">
+  <documentManagement>
+    <_activity xmlns="2979fb8a-27ed-43f5-adc8-4ac5a38b341a" xsi:nil="true"/>
+  </documentManagement>
+</p:properties>
 </file>
 
 <file path=customXml/itemProps1.xml><?xml version="1.0" encoding="utf-8"?>
@@ -9893,6 +9991,14 @@
 </file>
 
 <file path=customXml/itemProps2.xml><?xml version="1.0" encoding="utf-8"?>
+<ds:datastoreItem xmlns:ds="http://schemas.openxmlformats.org/officeDocument/2006/customXml" ds:itemID="{7EAE29B9-4EEB-421F-9B5F-82BD6219F44F}">
+  <ds:schemaRefs>
+    <ds:schemaRef ds:uri="http://schemas.microsoft.com/sharepoint/v3/contenttype/forms"/>
+  </ds:schemaRefs>
+</ds:datastoreItem>
+</file>
+
+<file path=customXml/itemProps3.xml><?xml version="1.0" encoding="utf-8"?>
 <ds:datastoreItem xmlns:ds="http://schemas.openxmlformats.org/officeDocument/2006/customXml" ds:itemID="{675A9C27-4C25-4D75-A6E5-F61B01C736AA}">
   <ds:schemaRefs>
     <ds:schemaRef ds:uri="http://purl.org/dc/elements/1.1/"/>
@@ -9906,12 +10012,4 @@
     <ds:schemaRef ds:uri="http://purl.org/dc/terms/"/>
   </ds:schemaRefs>
 </ds:datastoreItem>
-</file>
-
-<file path=customXml/itemProps3.xml><?xml version="1.0" encoding="utf-8"?>
-<ds:datastoreItem xmlns:ds="http://schemas.openxmlformats.org/officeDocument/2006/customXml" ds:itemID="{7EAE29B9-4EEB-421F-9B5F-82BD6219F44F}">
-  <ds:schemaRefs>
-    <ds:schemaRef ds:uri="http://schemas.microsoft.com/sharepoint/v3/contenttype/forms"/>
-  </ds:schemaRefs>
-</ds:datastoreItem>
 </file>
--- a/CAS PRATIQUE.pptx
+++ b/CAS PRATIQUE.pptx
@@ -11,8 +11,8 @@
     <p:sldId id="256" r:id="rId5"/>
     <p:sldId id="257" r:id="rId6"/>
     <p:sldId id="258" r:id="rId7"/>
-    <p:sldId id="259" r:id="rId8"/>
-    <p:sldId id="261" r:id="rId9"/>
+    <p:sldId id="261" r:id="rId8"/>
+    <p:sldId id="259" r:id="rId9"/>
     <p:sldId id="262" r:id="rId10"/>
     <p:sldId id="263" r:id="rId11"/>
     <p:sldId id="264" r:id="rId12"/>
@@ -552,7 +552,7 @@
           <a:p>
             <a:fld id="{7C03D5AC-ED7A-45AB-BA68-058E23153F63}" type="slidenum">
               <a:rPr lang="fr-FR" smtClean="0"/>
-              <a:t>5</a:t>
+              <a:t>4</a:t>
             </a:fld>
             <a:endParaRPr lang="fr-FR"/>
           </a:p>
@@ -3965,8 +3965,8 @@
         </p:nvSpPr>
         <p:spPr>
           <a:xfrm>
-            <a:off x="6974753" y="915150"/>
-            <a:ext cx="4625961" cy="4351338"/>
+            <a:off x="7233768" y="1385331"/>
+            <a:ext cx="4625961" cy="3288704"/>
           </a:xfrm>
         </p:spPr>
         <p:txBody>
@@ -4053,14 +4053,34 @@
             </a:pPr>
             <a:r>
               <a:rPr lang="fr-FR" sz="1000" dirty="0"/>
-              <a:t>En parallèle on archive les csv avec la date du jour et on rafraichi le </a:t>
-            </a:r>
-            <a:r>
-              <a:rPr lang="fr-FR" sz="1000" dirty="0" err="1"/>
+              <a:t>En parallèle :</a:t>
+            </a:r>
+          </a:p>
+          <a:p>
+            <a:pPr marL="1428750" lvl="2" indent="-514350">
+              <a:buFont typeface="+mj-lt"/>
+              <a:buAutoNum type="arabicPeriod"/>
+            </a:pPr>
+            <a:r>
+              <a:rPr lang="fr-FR" sz="900" dirty="0"/>
+              <a:t>on archive les csv avec la date du jour </a:t>
+            </a:r>
+          </a:p>
+          <a:p>
+            <a:pPr marL="1428750" lvl="2" indent="-514350">
+              <a:buFont typeface="+mj-lt"/>
+              <a:buAutoNum type="arabicPeriod"/>
+            </a:pPr>
+            <a:r>
+              <a:rPr lang="fr-FR" sz="900" dirty="0"/>
+              <a:t>on rafraichi le </a:t>
+            </a:r>
+            <a:r>
+              <a:rPr lang="fr-FR" sz="900" dirty="0" err="1"/>
               <a:t>dataset</a:t>
             </a:r>
             <a:r>
-              <a:rPr lang="fr-FR" sz="1000" dirty="0"/>
+              <a:rPr lang="fr-FR" sz="900" dirty="0"/>
               <a:t> power BI pour avoir les données à jour dès que possible</a:t>
             </a:r>
           </a:p>
@@ -4123,7 +4143,7 @@
         </p:blipFill>
         <p:spPr>
           <a:xfrm>
-            <a:off x="68927" y="2420403"/>
+            <a:off x="147416" y="2675539"/>
             <a:ext cx="6974871" cy="1629643"/>
           </a:xfrm>
           <a:prstGeom prst="rect">
@@ -4185,13 +4205,13 @@
         </p:nvSpPr>
         <p:spPr>
           <a:xfrm>
-            <a:off x="392135" y="987397"/>
+            <a:off x="403909" y="1215016"/>
             <a:ext cx="11169061" cy="4972106"/>
           </a:xfrm>
         </p:spPr>
         <p:txBody>
           <a:bodyPr>
-            <a:normAutofit/>
+            <a:normAutofit lnSpcReduction="10000"/>
           </a:bodyPr>
           <a:lstStyle/>
           <a:p>
@@ -4346,7 +4366,7 @@
             </a:r>
             <a:r>
               <a:rPr lang="fr-FR" sz="1200" dirty="0"/>
-              <a:t>) pour que celui-ci lance le pipeline via l’API </a:t>
+              <a:t>) lorsqu’un fichier à jour est disponible pour que celui-ci lance le pipeline via l’API </a:t>
             </a:r>
             <a:r>
               <a:rPr lang="fr-FR" sz="1200" dirty="0" err="1"/>
@@ -4364,7 +4384,15 @@
             </a:pPr>
             <a:r>
               <a:rPr lang="fr-FR" sz="1200" dirty="0"/>
-              <a:t>Configurer le rapport power bi avec une passerelle pour permettre une actualisation automatique à la fin du pipeline de données</a:t>
+              <a:t>Configurer le rapport power bi avec une passerelle sur une VM </a:t>
+            </a:r>
+            <a:r>
+              <a:rPr lang="fr-FR" sz="1200" dirty="0" err="1"/>
+              <a:t>windows</a:t>
+            </a:r>
+            <a:r>
+              <a:rPr lang="fr-FR" sz="1200" dirty="0"/>
+              <a:t> pour permettre une actualisation automatique à la fin du pipeline de données</a:t>
             </a:r>
           </a:p>
           <a:p>
@@ -4390,7 +4418,7 @@
             </a:r>
             <a:r>
               <a:rPr lang="fr-FR" sz="1200" dirty="0"/>
-              <a:t>) pour recevoir une alerte lors de problèmes sur le requêtage des sources de données</a:t>
+              <a:t>) pour recevoir une alerte lors de problèmes sur le requêtage des sources de données ou un SLA raté</a:t>
             </a:r>
           </a:p>
           <a:p>
@@ -4467,6 +4495,32 @@
               <a:buFont typeface="+mj-lt"/>
               <a:buAutoNum type="arabicPeriod"/>
             </a:pPr>
+            <a:r>
+              <a:rPr lang="fr-FR" sz="1200" dirty="0"/>
+              <a:t>Tester les éventuels </a:t>
+            </a:r>
+            <a:r>
+              <a:rPr lang="fr-FR" sz="1200" dirty="0" err="1"/>
+              <a:t>hook</a:t>
+            </a:r>
+            <a:r>
+              <a:rPr lang="fr-FR" sz="1200" dirty="0"/>
+              <a:t> et </a:t>
+            </a:r>
+            <a:r>
+              <a:rPr lang="fr-FR" sz="1200" dirty="0" err="1"/>
+              <a:t>oparator</a:t>
+            </a:r>
+            <a:r>
+              <a:rPr lang="fr-FR" sz="1200" dirty="0"/>
+              <a:t> custom</a:t>
+            </a:r>
+          </a:p>
+          <a:p>
+            <a:pPr marL="1428750" lvl="2" indent="-514350">
+              <a:buFont typeface="+mj-lt"/>
+              <a:buAutoNum type="arabicPeriod"/>
+            </a:pPr>
             <a:endParaRPr lang="fr-FR" sz="1200" dirty="0"/>
           </a:p>
           <a:p>
@@ -4499,6 +4553,14 @@
             <a:r>
               <a:rPr lang="fr-FR" sz="1200" dirty="0" err="1"/>
               <a:t>staging</a:t>
+            </a:r>
+            <a:r>
+              <a:rPr lang="fr-FR" sz="1200" dirty="0"/>
+              <a:t> en plus du CI réalisé par </a:t>
+            </a:r>
+            <a:r>
+              <a:rPr lang="fr-FR" sz="1200" dirty="0" err="1"/>
+              <a:t>github</a:t>
             </a:r>
             <a:endParaRPr lang="fr-FR" sz="1200" dirty="0"/>
           </a:p>
@@ -5956,8 +6018,8 @@
         </p:nvSpPr>
         <p:spPr>
           <a:xfrm>
-            <a:off x="838200" y="1890075"/>
-            <a:ext cx="10515600" cy="4286888"/>
+            <a:off x="838200" y="1634985"/>
+            <a:ext cx="10515600" cy="4773664"/>
           </a:xfrm>
         </p:spPr>
         <p:txBody>
@@ -6109,6 +6171,14 @@
             </a:r>
           </a:p>
           <a:p>
+            <a:pPr lvl="2"/>
+            <a:r>
+              <a:rPr lang="fr-FR" sz="1400" dirty="0"/>
+              <a:t>Monitorer la pénétration de la vaccination dans la population par âge et département</a:t>
+            </a:r>
+            <a:endParaRPr lang="fr-FR" sz="1400" b="1" dirty="0"/>
+          </a:p>
+          <a:p>
             <a:pPr marL="457200" lvl="1" indent="0">
               <a:buNone/>
             </a:pPr>
@@ -6128,36 +6198,51 @@
             </a:r>
           </a:p>
           <a:p>
+            <a:pPr lvl="1"/>
+            <a:r>
+              <a:rPr lang="fr-FR" sz="1200" dirty="0"/>
+              <a:t>Démarcher les centres de vaccinations/pharmacies non affiliés afin de les référencer sur Doctolib</a:t>
+            </a:r>
+          </a:p>
+          <a:p>
+            <a:pPr lvl="1"/>
+            <a:r>
+              <a:rPr lang="fr-FR" sz="1200" dirty="0"/>
+              <a:t>En lien avec la data </a:t>
+            </a:r>
+            <a:r>
+              <a:rPr lang="fr-FR" sz="1200" dirty="0" err="1"/>
+              <a:t>core</a:t>
+            </a:r>
+            <a:r>
+              <a:rPr lang="fr-FR" sz="1200" dirty="0"/>
+              <a:t> team, Doctolib pourrait créer un produit pour mieux gérer le flux de patients dans les centres et leur recommander d’autres endroits susceptibles de les satisfaire plus rapidement</a:t>
+            </a:r>
+          </a:p>
+          <a:p>
+            <a:pPr lvl="1"/>
+            <a:r>
+              <a:rPr lang="fr-FR" sz="1200" dirty="0"/>
+              <a:t>Prévoir où les doses vont manquer pour mieux allouer les stock de dose et possiblement faire des échanges entre région</a:t>
+            </a:r>
+          </a:p>
+          <a:p>
             <a:pPr marL="457200" lvl="1" indent="0">
               <a:buNone/>
             </a:pPr>
-            <a:r>
-              <a:rPr lang="fr-FR" sz="1400" dirty="0"/>
-              <a:t>	Démarcher les centres de vaccinations/pharmacies non affiliés afin de les référencer sur Doctolib</a:t>
-            </a:r>
-            <a:endParaRPr lang="fr-FR" sz="1000" dirty="0"/>
+            <a:endParaRPr lang="fr-FR" sz="1400" dirty="0"/>
           </a:p>
           <a:p>
             <a:pPr marL="457200" lvl="1" indent="0">
               <a:buNone/>
             </a:pPr>
-            <a:r>
-              <a:rPr lang="fr-FR" sz="1000" dirty="0"/>
-              <a:t>	</a:t>
-            </a:r>
-            <a:r>
-              <a:rPr lang="fr-FR" sz="1400" dirty="0"/>
-              <a:t>Revendre les données collectées sur les prises de rendez vous  </a:t>
-            </a:r>
+            <a:endParaRPr lang="fr-FR" sz="1400" dirty="0"/>
           </a:p>
           <a:p>
             <a:pPr marL="457200" lvl="1" indent="0">
               <a:buNone/>
             </a:pPr>
-            <a:r>
-              <a:rPr lang="fr-FR" sz="1400" dirty="0"/>
-              <a:t>	Produire des produits sur étagères pour que Doctolib Allemagne et Italie puissent enrichir leur offre</a:t>
-            </a:r>
+            <a:endParaRPr lang="fr-FR" sz="1400" dirty="0"/>
           </a:p>
         </p:txBody>
       </p:sp>
@@ -6962,8 +7047,29 @@
             </a:pPr>
             <a:r>
               <a:rPr lang="fr-FR" dirty="0"/>
-              <a:t>Architecture du pipeline</a:t>
-            </a:r>
+              <a:t>Pipeline de données – Vision haut niveau</a:t>
+            </a:r>
+          </a:p>
+          <a:p>
+            <a:pPr marL="514350" indent="-514350">
+              <a:buFont typeface="+mj-lt"/>
+              <a:buAutoNum type="arabicPeriod"/>
+            </a:pPr>
+            <a:r>
+              <a:rPr lang="fr-FR" dirty="0"/>
+              <a:t>Technologies utilisées</a:t>
+            </a:r>
+          </a:p>
+          <a:p>
+            <a:pPr marL="514350" indent="-514350">
+              <a:buFont typeface="+mj-lt"/>
+              <a:buAutoNum type="arabicPeriod"/>
+            </a:pPr>
+            <a:r>
+              <a:rPr lang="fr-FR" dirty="0" err="1"/>
+              <a:t>DAGs</a:t>
+            </a:r>
+            <a:endParaRPr lang="fr-FR" dirty="0"/>
           </a:p>
           <a:p>
             <a:pPr marL="514350" indent="-514350">
@@ -7357,293 +7463,6 @@
           <a:chExt cx="0" cy="0"/>
         </a:xfrm>
       </p:grpSpPr>
-      <p:sp>
-        <p:nvSpPr>
-          <p:cNvPr id="2" name="Title 1">
-            <a:extLst>
-              <a:ext uri="{FF2B5EF4-FFF2-40B4-BE49-F238E27FC236}">
-                <a16:creationId xmlns:a16="http://schemas.microsoft.com/office/drawing/2014/main" id="{5E1CA60A-84FA-25F4-7FD4-86621AAC34F7}"/>
-              </a:ext>
-            </a:extLst>
-          </p:cNvPr>
-          <p:cNvSpPr>
-            <a:spLocks noGrp="1"/>
-          </p:cNvSpPr>
-          <p:nvPr>
-            <p:ph type="title"/>
-          </p:nvPr>
-        </p:nvSpPr>
-        <p:spPr/>
-        <p:txBody>
-          <a:bodyPr/>
-          <a:lstStyle/>
-          <a:p>
-            <a:r>
-              <a:rPr lang="fr-FR" dirty="0"/>
-              <a:t>Technologies utilisées</a:t>
-            </a:r>
-          </a:p>
-        </p:txBody>
-      </p:sp>
-      <p:sp>
-        <p:nvSpPr>
-          <p:cNvPr id="4" name="Espace réservé du contenu 2">
-            <a:extLst>
-              <a:ext uri="{FF2B5EF4-FFF2-40B4-BE49-F238E27FC236}">
-                <a16:creationId xmlns:a16="http://schemas.microsoft.com/office/drawing/2014/main" id="{86B49B75-4E55-7ACD-8AA2-8908D2F16EFC}"/>
-              </a:ext>
-            </a:extLst>
-          </p:cNvPr>
-          <p:cNvSpPr>
-            <a:spLocks noGrp="1"/>
-          </p:cNvSpPr>
-          <p:nvPr>
-            <p:ph idx="1"/>
-          </p:nvPr>
-        </p:nvSpPr>
-        <p:spPr>
-          <a:xfrm>
-            <a:off x="838200" y="1825625"/>
-            <a:ext cx="10515600" cy="4351338"/>
-          </a:xfrm>
-        </p:spPr>
-        <p:txBody>
-          <a:bodyPr>
-            <a:normAutofit/>
-          </a:bodyPr>
-          <a:lstStyle/>
-          <a:p>
-            <a:pPr marL="514350" indent="-514350">
-              <a:buFont typeface="+mj-lt"/>
-              <a:buAutoNum type="arabicPeriod"/>
-            </a:pPr>
-            <a:r>
-              <a:rPr lang="fr-FR" sz="1800" dirty="0" err="1"/>
-              <a:t>Airflow</a:t>
-            </a:r>
-            <a:r>
-              <a:rPr lang="fr-FR" sz="1800" dirty="0"/>
-              <a:t> w/ Python</a:t>
-            </a:r>
-          </a:p>
-          <a:p>
-            <a:pPr marL="971550" lvl="1" indent="-514350">
-              <a:buFont typeface="+mj-lt"/>
-              <a:buAutoNum type="arabicPeriod"/>
-            </a:pPr>
-            <a:r>
-              <a:rPr lang="fr-FR" sz="1400" dirty="0"/>
-              <a:t>Utile pour les tâches de batch </a:t>
-            </a:r>
-            <a:r>
-              <a:rPr lang="fr-FR" sz="1400" dirty="0" err="1"/>
-              <a:t>processing</a:t>
-            </a:r>
-            <a:endParaRPr lang="fr-FR" sz="1400" dirty="0"/>
-          </a:p>
-          <a:p>
-            <a:pPr marL="971550" lvl="1" indent="-514350">
-              <a:buFont typeface="+mj-lt"/>
-              <a:buAutoNum type="arabicPeriod"/>
-            </a:pPr>
-            <a:r>
-              <a:rPr lang="fr-FR" sz="1400" dirty="0"/>
-              <a:t>Maintenable – DAG représentées dans une UI, fichiers séparés, collaborativité amélioré au sein des équipes</a:t>
-            </a:r>
-          </a:p>
-          <a:p>
-            <a:pPr marL="971550" lvl="1" indent="-514350">
-              <a:buFont typeface="+mj-lt"/>
-              <a:buAutoNum type="arabicPeriod"/>
-            </a:pPr>
-            <a:r>
-              <a:rPr lang="fr-FR" sz="1400" dirty="0"/>
-              <a:t>Performance – Exécution de tâches en parallèle</a:t>
-            </a:r>
-          </a:p>
-          <a:p>
-            <a:pPr marL="971550" lvl="1" indent="-514350">
-              <a:buFont typeface="+mj-lt"/>
-              <a:buAutoNum type="arabicPeriod"/>
-            </a:pPr>
-            <a:r>
-              <a:rPr lang="fr-FR" sz="1400" dirty="0"/>
-              <a:t>SLA –Si une tâche ne s’</a:t>
-            </a:r>
-            <a:r>
-              <a:rPr lang="fr-FR" sz="1400" dirty="0" err="1"/>
-              <a:t>execute</a:t>
-            </a:r>
-            <a:r>
-              <a:rPr lang="fr-FR" sz="1400" dirty="0"/>
-              <a:t> pas dans un temps donné, une alerte peut être déclenchée</a:t>
-            </a:r>
-          </a:p>
-          <a:p>
-            <a:pPr marL="971550" lvl="1" indent="-514350">
-              <a:buFont typeface="+mj-lt"/>
-              <a:buAutoNum type="arabicPeriod"/>
-            </a:pPr>
-            <a:r>
-              <a:rPr lang="fr-FR" sz="1400" dirty="0"/>
-              <a:t>Modularité – Réexécution indépendantes de certaines tâches</a:t>
-            </a:r>
-          </a:p>
-          <a:p>
-            <a:pPr marL="971550" lvl="1" indent="-514350">
-              <a:buFont typeface="+mj-lt"/>
-              <a:buAutoNum type="arabicPeriod"/>
-            </a:pPr>
-            <a:r>
-              <a:rPr lang="fr-FR" sz="1400" dirty="0"/>
-              <a:t>Popularité de python – </a:t>
-            </a:r>
-            <a:r>
-              <a:rPr lang="fr-FR" sz="1400" dirty="0" err="1"/>
-              <a:t>Language</a:t>
-            </a:r>
-            <a:r>
-              <a:rPr lang="fr-FR" sz="1400" dirty="0"/>
-              <a:t> connu par beaucoup de data </a:t>
-            </a:r>
-            <a:r>
-              <a:rPr lang="fr-FR" sz="1400" dirty="0" err="1"/>
-              <a:t>engineer</a:t>
-            </a:r>
-            <a:endParaRPr lang="fr-FR" sz="1400" dirty="0"/>
-          </a:p>
-          <a:p>
-            <a:pPr marL="514350" indent="-514350">
-              <a:buFont typeface="+mj-lt"/>
-              <a:buAutoNum type="arabicPeriod"/>
-            </a:pPr>
-            <a:r>
-              <a:rPr lang="fr-FR" sz="1800" dirty="0"/>
-              <a:t>Docker</a:t>
-            </a:r>
-          </a:p>
-          <a:p>
-            <a:pPr marL="971550" lvl="1" indent="-514350">
-              <a:buFont typeface="+mj-lt"/>
-              <a:buAutoNum type="arabicPeriod"/>
-            </a:pPr>
-            <a:r>
-              <a:rPr lang="fr-FR" sz="1400" dirty="0"/>
-              <a:t>Permet une </a:t>
-            </a:r>
-            <a:r>
-              <a:rPr lang="fr-FR" sz="1400" dirty="0" err="1"/>
-              <a:t>execution</a:t>
-            </a:r>
-            <a:r>
-              <a:rPr lang="fr-FR" sz="1400" dirty="0"/>
-              <a:t> d’une ou plusieurs application dans un environnement standardisé et configuré selon nos </a:t>
-            </a:r>
-            <a:r>
-              <a:rPr lang="fr-FR" sz="1400" dirty="0" err="1"/>
-              <a:t>spec</a:t>
-            </a:r>
-            <a:endParaRPr lang="fr-FR" sz="1400" dirty="0"/>
-          </a:p>
-          <a:p>
-            <a:pPr marL="971550" lvl="1" indent="-514350">
-              <a:buFont typeface="+mj-lt"/>
-              <a:buAutoNum type="arabicPeriod"/>
-            </a:pPr>
-            <a:r>
-              <a:rPr lang="fr-FR" sz="1400" dirty="0"/>
-              <a:t>Dans ce projet, j’utilise les image d’</a:t>
-            </a:r>
-            <a:r>
-              <a:rPr lang="fr-FR" sz="1400" dirty="0" err="1"/>
-              <a:t>Airflow</a:t>
-            </a:r>
-            <a:r>
-              <a:rPr lang="fr-FR" sz="1400" dirty="0"/>
-              <a:t> et </a:t>
-            </a:r>
-            <a:r>
-              <a:rPr lang="fr-FR" sz="1400" dirty="0" err="1"/>
-              <a:t>Postgres</a:t>
-            </a:r>
-            <a:r>
-              <a:rPr lang="fr-FR" sz="1400" dirty="0"/>
-              <a:t> </a:t>
-            </a:r>
-          </a:p>
-          <a:p>
-            <a:pPr marL="514350" indent="-514350">
-              <a:buFont typeface="+mj-lt"/>
-              <a:buAutoNum type="arabicPeriod"/>
-            </a:pPr>
-            <a:r>
-              <a:rPr lang="fr-FR" sz="1800" dirty="0" err="1"/>
-              <a:t>Postgres</a:t>
-            </a:r>
-            <a:endParaRPr lang="fr-FR" sz="1800" dirty="0"/>
-          </a:p>
-          <a:p>
-            <a:pPr marL="971550" lvl="1" indent="-514350">
-              <a:buFont typeface="+mj-lt"/>
-              <a:buAutoNum type="arabicPeriod"/>
-            </a:pPr>
-            <a:r>
-              <a:rPr lang="fr-FR" sz="1400" dirty="0"/>
-              <a:t>DBMS open source</a:t>
-            </a:r>
-          </a:p>
-          <a:p>
-            <a:pPr marL="514350" indent="-514350">
-              <a:buFont typeface="+mj-lt"/>
-              <a:buAutoNum type="arabicPeriod"/>
-            </a:pPr>
-            <a:r>
-              <a:rPr lang="fr-FR" sz="1800" dirty="0"/>
-              <a:t>Power BI</a:t>
-            </a:r>
-          </a:p>
-          <a:p>
-            <a:pPr marL="971550" lvl="1" indent="-514350">
-              <a:buFont typeface="+mj-lt"/>
-              <a:buAutoNum type="arabicPeriod"/>
-            </a:pPr>
-            <a:r>
-              <a:rPr lang="fr-FR" sz="1400" dirty="0"/>
-              <a:t>Outil de visualisation</a:t>
-            </a:r>
-          </a:p>
-        </p:txBody>
-      </p:sp>
-    </p:spTree>
-    <p:extLst>
-      <p:ext uri="{BB962C8B-B14F-4D97-AF65-F5344CB8AC3E}">
-        <p14:creationId xmlns:p14="http://schemas.microsoft.com/office/powerpoint/2010/main" val="2655439980"/>
-      </p:ext>
-    </p:extLst>
-  </p:cSld>
-  <p:clrMapOvr>
-    <a:masterClrMapping/>
-  </p:clrMapOvr>
-</p:sld>
-</file>
-
-<file path=ppt/slides/slide5.xml><?xml version="1.0" encoding="utf-8"?>
-<p:sld xmlns:a="http://schemas.openxmlformats.org/drawingml/2006/main" xmlns:r="http://schemas.openxmlformats.org/officeDocument/2006/relationships" xmlns:p="http://schemas.openxmlformats.org/presentationml/2006/main">
-  <p:cSld>
-    <p:spTree>
-      <p:nvGrpSpPr>
-        <p:cNvPr id="1" name=""/>
-        <p:cNvGrpSpPr/>
-        <p:nvPr/>
-      </p:nvGrpSpPr>
-      <p:grpSpPr>
-        <a:xfrm>
-          <a:off x="0" y="0"/>
-          <a:ext cx="0" cy="0"/>
-          <a:chOff x="0" y="0"/>
-          <a:chExt cx="0" cy="0"/>
-        </a:xfrm>
-      </p:grpSpPr>
       <p:cxnSp>
         <p:nvCxnSpPr>
           <p:cNvPr id="6" name="Connecteur droit avec flèche 5">
@@ -7793,8 +7612,8 @@
         </p:nvSpPr>
         <p:spPr>
           <a:xfrm>
-            <a:off x="4377112" y="3923199"/>
-            <a:ext cx="4802208" cy="369332"/>
+            <a:off x="155147" y="274331"/>
+            <a:ext cx="4802208" cy="400110"/>
           </a:xfrm>
           <a:prstGeom prst="rect">
             <a:avLst/>
@@ -7809,7 +7628,7 @@
           <a:p>
             <a:pPr algn="ctr"/>
             <a:r>
-              <a:rPr lang="fr-FR" b="1" i="1" dirty="0"/>
+              <a:rPr lang="fr-FR" sz="2000" b="1" dirty="0"/>
               <a:t>Pipeline de données – Vision haut niveau</a:t>
             </a:r>
           </a:p>
@@ -7829,8 +7648,8 @@
         </p:nvSpPr>
         <p:spPr>
           <a:xfrm>
-            <a:off x="3705227" y="494126"/>
-            <a:ext cx="8225203" cy="2585323"/>
+            <a:off x="3764312" y="948211"/>
+            <a:ext cx="8225203" cy="3416320"/>
           </a:xfrm>
           <a:prstGeom prst="rect">
             <a:avLst/>
@@ -7916,7 +7735,33 @@
             </a:pPr>
             <a:r>
               <a:rPr lang="fr-FR" i="1" dirty="0"/>
-              <a:t> </a:t>
+              <a:t>Sécurité via user &amp; </a:t>
+            </a:r>
+            <a:r>
+              <a:rPr lang="fr-FR" i="1" dirty="0" err="1"/>
+              <a:t>password</a:t>
+            </a:r>
+            <a:r>
+              <a:rPr lang="fr-FR" i="1" dirty="0"/>
+              <a:t> pour </a:t>
+            </a:r>
+            <a:r>
+              <a:rPr lang="fr-FR" i="1" dirty="0" err="1"/>
+              <a:t>Airflow</a:t>
+            </a:r>
+            <a:r>
+              <a:rPr lang="fr-FR" i="1" dirty="0"/>
+              <a:t> et Docker</a:t>
+            </a:r>
+          </a:p>
+          <a:p>
+            <a:pPr marL="1200150" lvl="2" indent="-285750">
+              <a:buFont typeface="Arial" panose="020B0604020202020204" pitchFamily="34" charset="0"/>
+              <a:buChar char="•"/>
+            </a:pPr>
+            <a:r>
+              <a:rPr lang="fr-FR" i="1" dirty="0"/>
+              <a:t>Possibilité d’encrypter des données sensibles</a:t>
             </a:r>
           </a:p>
           <a:p>
@@ -7936,17 +7781,25 @@
             </a:pPr>
             <a:r>
               <a:rPr lang="fr-FR" i="1" dirty="0"/>
-              <a:t> </a:t>
-            </a:r>
-          </a:p>
-          <a:p>
-            <a:pPr marL="742950" lvl="1" indent="-285750">
+              <a:t>L’avantage d’utiliser une image docker et de permettre un très forte portabilité. Le déploiement est très rapide d’une machine à une autre</a:t>
+            </a:r>
+          </a:p>
+          <a:p>
+            <a:pPr marL="1200150" lvl="2" indent="-285750">
               <a:buFont typeface="Arial" panose="020B0604020202020204" pitchFamily="34" charset="0"/>
               <a:buChar char="•"/>
             </a:pPr>
             <a:r>
+              <a:rPr lang="fr-FR" i="1" dirty="0" err="1"/>
+              <a:t>Airflow</a:t>
+            </a:r>
+            <a:r>
+              <a:rPr lang="fr-FR" i="1" dirty="0"/>
+              <a:t> a la capacité de mettre en place de SLA sur les tâches critiques d’exécution ce qui rend l’identification de problèmes très efficace</a:t>
+            </a:r>
+            <a:r>
               <a:rPr lang="fr-FR" b="1" i="1" dirty="0"/>
-              <a:t>SLA </a:t>
+              <a:t> </a:t>
             </a:r>
           </a:p>
         </p:txBody>
@@ -8317,6 +8170,339 @@
 </p:sld>
 </file>
 
+<file path=ppt/slides/slide5.xml><?xml version="1.0" encoding="utf-8"?>
+<p:sld xmlns:a="http://schemas.openxmlformats.org/drawingml/2006/main" xmlns:r="http://schemas.openxmlformats.org/officeDocument/2006/relationships" xmlns:p="http://schemas.openxmlformats.org/presentationml/2006/main">
+  <p:cSld>
+    <p:spTree>
+      <p:nvGrpSpPr>
+        <p:cNvPr id="1" name=""/>
+        <p:cNvGrpSpPr/>
+        <p:nvPr/>
+      </p:nvGrpSpPr>
+      <p:grpSpPr>
+        <a:xfrm>
+          <a:off x="0" y="0"/>
+          <a:ext cx="0" cy="0"/>
+          <a:chOff x="0" y="0"/>
+          <a:chExt cx="0" cy="0"/>
+        </a:xfrm>
+      </p:grpSpPr>
+      <p:sp>
+        <p:nvSpPr>
+          <p:cNvPr id="2" name="Title 1">
+            <a:extLst>
+              <a:ext uri="{FF2B5EF4-FFF2-40B4-BE49-F238E27FC236}">
+                <a16:creationId xmlns:a16="http://schemas.microsoft.com/office/drawing/2014/main" id="{5E1CA60A-84FA-25F4-7FD4-86621AAC34F7}"/>
+              </a:ext>
+            </a:extLst>
+          </p:cNvPr>
+          <p:cNvSpPr>
+            <a:spLocks noGrp="1"/>
+          </p:cNvSpPr>
+          <p:nvPr>
+            <p:ph type="title"/>
+          </p:nvPr>
+        </p:nvSpPr>
+        <p:spPr/>
+        <p:txBody>
+          <a:bodyPr/>
+          <a:lstStyle/>
+          <a:p>
+            <a:r>
+              <a:rPr lang="fr-FR" dirty="0"/>
+              <a:t>Technologies utilisées</a:t>
+            </a:r>
+          </a:p>
+        </p:txBody>
+      </p:sp>
+      <p:sp>
+        <p:nvSpPr>
+          <p:cNvPr id="4" name="Espace réservé du contenu 2">
+            <a:extLst>
+              <a:ext uri="{FF2B5EF4-FFF2-40B4-BE49-F238E27FC236}">
+                <a16:creationId xmlns:a16="http://schemas.microsoft.com/office/drawing/2014/main" id="{86B49B75-4E55-7ACD-8AA2-8908D2F16EFC}"/>
+              </a:ext>
+            </a:extLst>
+          </p:cNvPr>
+          <p:cNvSpPr>
+            <a:spLocks noGrp="1"/>
+          </p:cNvSpPr>
+          <p:nvPr>
+            <p:ph idx="1"/>
+          </p:nvPr>
+        </p:nvSpPr>
+        <p:spPr>
+          <a:xfrm>
+            <a:off x="838200" y="1366462"/>
+            <a:ext cx="10515600" cy="5073582"/>
+          </a:xfrm>
+        </p:spPr>
+        <p:txBody>
+          <a:bodyPr>
+            <a:normAutofit fontScale="92500" lnSpcReduction="20000"/>
+          </a:bodyPr>
+          <a:lstStyle/>
+          <a:p>
+            <a:pPr marL="514350" indent="-514350">
+              <a:buFont typeface="+mj-lt"/>
+              <a:buAutoNum type="arabicPeriod"/>
+            </a:pPr>
+            <a:r>
+              <a:rPr lang="fr-FR" sz="1800" dirty="0" err="1"/>
+              <a:t>Airflow</a:t>
+            </a:r>
+            <a:r>
+              <a:rPr lang="fr-FR" sz="1800" dirty="0"/>
+              <a:t> w/ Python</a:t>
+            </a:r>
+          </a:p>
+          <a:p>
+            <a:pPr marL="971550" lvl="1" indent="-514350">
+              <a:buFont typeface="+mj-lt"/>
+              <a:buAutoNum type="arabicPeriod"/>
+            </a:pPr>
+            <a:r>
+              <a:rPr lang="fr-FR" sz="1400" dirty="0"/>
+              <a:t>Utile pour les tâches de batch </a:t>
+            </a:r>
+            <a:r>
+              <a:rPr lang="fr-FR" sz="1400" dirty="0" err="1"/>
+              <a:t>processing</a:t>
+            </a:r>
+            <a:endParaRPr lang="fr-FR" sz="1400" dirty="0"/>
+          </a:p>
+          <a:p>
+            <a:pPr marL="971550" lvl="1" indent="-514350">
+              <a:buFont typeface="+mj-lt"/>
+              <a:buAutoNum type="arabicPeriod"/>
+            </a:pPr>
+            <a:r>
+              <a:rPr lang="fr-FR" sz="1400" dirty="0"/>
+              <a:t>Maintenable – DAG représentées dans une UI, fichiers séparés, collaborativité amélioré au sein des équipes</a:t>
+            </a:r>
+          </a:p>
+          <a:p>
+            <a:pPr marL="971550" lvl="1" indent="-514350">
+              <a:buFont typeface="+mj-lt"/>
+              <a:buAutoNum type="arabicPeriod"/>
+            </a:pPr>
+            <a:r>
+              <a:rPr lang="fr-FR" sz="1400" dirty="0"/>
+              <a:t>Performance – Exécution de tâches en parallèle</a:t>
+            </a:r>
+          </a:p>
+          <a:p>
+            <a:pPr marL="971550" lvl="1" indent="-514350">
+              <a:buFont typeface="+mj-lt"/>
+              <a:buAutoNum type="arabicPeriod"/>
+            </a:pPr>
+            <a:r>
+              <a:rPr lang="fr-FR" sz="1400" dirty="0"/>
+              <a:t>SLA –Si une tâche ne s’exécute pas dans un temps donné, une alerte peut être déclenchée</a:t>
+            </a:r>
+          </a:p>
+          <a:p>
+            <a:pPr marL="971550" lvl="1" indent="-514350">
+              <a:buFont typeface="+mj-lt"/>
+              <a:buAutoNum type="arabicPeriod"/>
+            </a:pPr>
+            <a:r>
+              <a:rPr lang="fr-FR" sz="1400" dirty="0"/>
+              <a:t>Modularité – Réexécution indépendantes de certaines tâches</a:t>
+            </a:r>
+          </a:p>
+          <a:p>
+            <a:pPr marL="971550" lvl="1" indent="-514350">
+              <a:buFont typeface="+mj-lt"/>
+              <a:buAutoNum type="arabicPeriod"/>
+            </a:pPr>
+            <a:r>
+              <a:rPr lang="fr-FR" sz="1400" dirty="0"/>
+              <a:t>Popularité de python – </a:t>
+            </a:r>
+            <a:r>
+              <a:rPr lang="fr-FR" sz="1400" dirty="0" err="1"/>
+              <a:t>Language</a:t>
+            </a:r>
+            <a:r>
+              <a:rPr lang="fr-FR" sz="1400" dirty="0"/>
+              <a:t> connu par beaucoup de data </a:t>
+            </a:r>
+            <a:r>
+              <a:rPr lang="fr-FR" sz="1400" dirty="0" err="1"/>
+              <a:t>engineer</a:t>
+            </a:r>
+            <a:endParaRPr lang="fr-FR" sz="1400" dirty="0"/>
+          </a:p>
+          <a:p>
+            <a:pPr marL="514350" indent="-514350">
+              <a:buFont typeface="+mj-lt"/>
+              <a:buAutoNum type="arabicPeriod"/>
+            </a:pPr>
+            <a:r>
+              <a:rPr lang="fr-FR" sz="1800" dirty="0"/>
+              <a:t>Docker</a:t>
+            </a:r>
+          </a:p>
+          <a:p>
+            <a:pPr marL="971550" lvl="1" indent="-514350">
+              <a:buFont typeface="+mj-lt"/>
+              <a:buAutoNum type="arabicPeriod"/>
+            </a:pPr>
+            <a:r>
+              <a:rPr lang="fr-FR" sz="1400" dirty="0"/>
+              <a:t>Permet une </a:t>
+            </a:r>
+            <a:r>
+              <a:rPr lang="fr-FR" sz="1400" dirty="0" err="1"/>
+              <a:t>execution</a:t>
+            </a:r>
+            <a:r>
+              <a:rPr lang="fr-FR" sz="1400" dirty="0"/>
+              <a:t> d’une ou plusieurs application dans un environnement standardisé et configuré selon nos </a:t>
+            </a:r>
+            <a:r>
+              <a:rPr lang="fr-FR" sz="1400" dirty="0" err="1"/>
+              <a:t>spec</a:t>
+            </a:r>
+            <a:endParaRPr lang="fr-FR" sz="1400" dirty="0"/>
+          </a:p>
+          <a:p>
+            <a:pPr marL="971550" lvl="1" indent="-514350">
+              <a:buFont typeface="+mj-lt"/>
+              <a:buAutoNum type="arabicPeriod"/>
+            </a:pPr>
+            <a:r>
+              <a:rPr lang="fr-FR" sz="1400" dirty="0"/>
+              <a:t>Dans ce projet, j’utilise les image d’</a:t>
+            </a:r>
+            <a:r>
+              <a:rPr lang="fr-FR" sz="1400" dirty="0" err="1"/>
+              <a:t>Airflow</a:t>
+            </a:r>
+            <a:r>
+              <a:rPr lang="fr-FR" sz="1400" dirty="0"/>
+              <a:t> et </a:t>
+            </a:r>
+            <a:r>
+              <a:rPr lang="fr-FR" sz="1400" dirty="0" err="1"/>
+              <a:t>Postgres</a:t>
+            </a:r>
+            <a:r>
+              <a:rPr lang="fr-FR" sz="1400" dirty="0"/>
+              <a:t> </a:t>
+            </a:r>
+          </a:p>
+          <a:p>
+            <a:pPr marL="514350" indent="-514350">
+              <a:buFont typeface="+mj-lt"/>
+              <a:buAutoNum type="arabicPeriod"/>
+            </a:pPr>
+            <a:r>
+              <a:rPr lang="fr-FR" sz="1800" dirty="0" err="1"/>
+              <a:t>Postgres</a:t>
+            </a:r>
+            <a:endParaRPr lang="fr-FR" sz="1800" dirty="0"/>
+          </a:p>
+          <a:p>
+            <a:pPr marL="971550" lvl="1" indent="-514350">
+              <a:buFont typeface="+mj-lt"/>
+              <a:buAutoNum type="arabicPeriod"/>
+            </a:pPr>
+            <a:r>
+              <a:rPr lang="fr-FR" sz="1400" dirty="0"/>
+              <a:t>DBMS open source</a:t>
+            </a:r>
+          </a:p>
+          <a:p>
+            <a:pPr marL="971550" lvl="1" indent="-514350">
+              <a:buFont typeface="+mj-lt"/>
+              <a:buAutoNum type="arabicPeriod"/>
+            </a:pPr>
+            <a:endParaRPr lang="fr-FR" sz="1400" dirty="0"/>
+          </a:p>
+          <a:p>
+            <a:pPr marL="514350" indent="-514350">
+              <a:buFont typeface="+mj-lt"/>
+              <a:buAutoNum type="arabicPeriod"/>
+            </a:pPr>
+            <a:r>
+              <a:rPr lang="fr-FR" sz="1800" dirty="0"/>
+              <a:t>Git</a:t>
+            </a:r>
+          </a:p>
+          <a:p>
+            <a:pPr marL="971550" lvl="1" indent="-514350">
+              <a:buFont typeface="+mj-lt"/>
+              <a:buAutoNum type="arabicPeriod"/>
+            </a:pPr>
+            <a:r>
+              <a:rPr lang="fr-FR" sz="1400" dirty="0"/>
+              <a:t>Git permet de tracker les modifications entre les versions d’un même projet. </a:t>
+            </a:r>
+          </a:p>
+          <a:p>
+            <a:pPr marL="971550" lvl="1" indent="-514350">
+              <a:buFont typeface="+mj-lt"/>
+              <a:buAutoNum type="arabicPeriod"/>
+            </a:pPr>
+            <a:r>
+              <a:rPr lang="fr-FR" sz="1400" dirty="0"/>
+              <a:t>Il permettrait une collaboration facilité dans une équipe pour travailler de manière isolé sur des branches. Etant seul sur ce projet j’ai principalement travaillé sur la branche main.</a:t>
+            </a:r>
+          </a:p>
+          <a:p>
+            <a:pPr marL="971550" lvl="1" indent="-514350">
+              <a:buFont typeface="+mj-lt"/>
+              <a:buAutoNum type="arabicPeriod"/>
+            </a:pPr>
+            <a:r>
+              <a:rPr lang="fr-FR" sz="1400" dirty="0"/>
+              <a:t>Il permet de résoudre facilement les conflits entre une branche et une autre lors d’un merge</a:t>
+            </a:r>
+          </a:p>
+          <a:p>
+            <a:pPr marL="971550" lvl="1" indent="-514350">
+              <a:buFont typeface="+mj-lt"/>
+              <a:buAutoNum type="arabicPeriod"/>
+            </a:pPr>
+            <a:endParaRPr lang="fr-FR" sz="1400" dirty="0"/>
+          </a:p>
+          <a:p>
+            <a:pPr marL="514350" indent="-514350">
+              <a:buFont typeface="+mj-lt"/>
+              <a:buAutoNum type="arabicPeriod"/>
+            </a:pPr>
+            <a:r>
+              <a:rPr lang="fr-FR" sz="1800" dirty="0"/>
+              <a:t>Power BI</a:t>
+            </a:r>
+          </a:p>
+          <a:p>
+            <a:pPr marL="971550" lvl="1" indent="-514350">
+              <a:buFont typeface="+mj-lt"/>
+              <a:buAutoNum type="arabicPeriod"/>
+            </a:pPr>
+            <a:r>
+              <a:rPr lang="fr-FR" sz="1400" dirty="0"/>
+              <a:t>Outil de visualisation gratuit (tant qu’on ne partage pas de rapport) permettant d’efficacement représenter les données pour ce projet</a:t>
+            </a:r>
+          </a:p>
+        </p:txBody>
+      </p:sp>
+    </p:spTree>
+    <p:extLst>
+      <p:ext uri="{BB962C8B-B14F-4D97-AF65-F5344CB8AC3E}">
+        <p14:creationId xmlns:p14="http://schemas.microsoft.com/office/powerpoint/2010/main" val="2655439980"/>
+      </p:ext>
+    </p:extLst>
+  </p:cSld>
+  <p:clrMapOvr>
+    <a:masterClrMapping/>
+  </p:clrMapOvr>
+</p:sld>
+</file>
+
 <file path=ppt/slides/slide6.xml><?xml version="1.0" encoding="utf-8"?>
 <p:sld xmlns:a="http://schemas.openxmlformats.org/drawingml/2006/main" xmlns:r="http://schemas.openxmlformats.org/officeDocument/2006/relationships" xmlns:p="http://schemas.openxmlformats.org/presentationml/2006/main">
   <p:cSld>
@@ -8357,7 +8543,7 @@
           <a:p>
             <a:r>
               <a:rPr lang="fr-FR" dirty="0" err="1"/>
-              <a:t>Dags</a:t>
+              <a:t>DAGs</a:t>
             </a:r>
             <a:r>
               <a:rPr lang="fr-FR" dirty="0"/>
@@ -8393,7 +8579,7 @@
         </p:blipFill>
         <p:spPr>
           <a:xfrm>
-            <a:off x="1036058" y="2455872"/>
+            <a:off x="1110624" y="1576792"/>
             <a:ext cx="8908532" cy="2063599"/>
           </a:xfrm>
           <a:prstGeom prst="rect">
@@ -8401,6 +8587,198 @@
           </a:prstGeom>
         </p:spPr>
       </p:pic>
+      <p:sp>
+        <p:nvSpPr>
+          <p:cNvPr id="3" name="Espace réservé du contenu 2">
+            <a:extLst>
+              <a:ext uri="{FF2B5EF4-FFF2-40B4-BE49-F238E27FC236}">
+                <a16:creationId xmlns:a16="http://schemas.microsoft.com/office/drawing/2014/main" id="{C26F8D44-134A-9915-FCCC-9CD8C31DDD5B}"/>
+              </a:ext>
+            </a:extLst>
+          </p:cNvPr>
+          <p:cNvSpPr>
+            <a:spLocks noGrp="1"/>
+          </p:cNvSpPr>
+          <p:nvPr>
+            <p:ph idx="1"/>
+          </p:nvPr>
+        </p:nvSpPr>
+        <p:spPr>
+          <a:xfrm>
+            <a:off x="2025513" y="3687399"/>
+            <a:ext cx="8140973" cy="2866455"/>
+          </a:xfrm>
+        </p:spPr>
+        <p:txBody>
+          <a:bodyPr>
+            <a:normAutofit/>
+          </a:bodyPr>
+          <a:lstStyle/>
+          <a:p>
+            <a:pPr marL="514350" indent="-514350">
+              <a:buFont typeface="+mj-lt"/>
+              <a:buAutoNum type="arabicPeriod"/>
+            </a:pPr>
+            <a:r>
+              <a:rPr lang="fr-FR" sz="1800" dirty="0"/>
+              <a:t>Pourquoi créer plusieurs DAGS ?</a:t>
+            </a:r>
+          </a:p>
+          <a:p>
+            <a:pPr marL="971550" lvl="1" indent="-514350">
+              <a:buFont typeface="+mj-lt"/>
+              <a:buAutoNum type="arabicPeriod"/>
+            </a:pPr>
+            <a:r>
+              <a:rPr lang="fr-FR" sz="1000" dirty="0"/>
+              <a:t>Pouvoir facilement réutiliser un DAG</a:t>
+            </a:r>
+          </a:p>
+          <a:p>
+            <a:pPr marL="971550" lvl="1" indent="-514350">
+              <a:buFont typeface="+mj-lt"/>
+              <a:buAutoNum type="arabicPeriod"/>
+            </a:pPr>
+            <a:r>
+              <a:rPr lang="fr-FR" sz="1000" dirty="0"/>
+              <a:t>Gérer les accès des utilisateurs</a:t>
+            </a:r>
+          </a:p>
+          <a:p>
+            <a:pPr marL="971550" lvl="1" indent="-514350">
+              <a:buFont typeface="+mj-lt"/>
+              <a:buAutoNum type="arabicPeriod"/>
+            </a:pPr>
+            <a:r>
+              <a:rPr lang="fr-FR" sz="1000" dirty="0"/>
+              <a:t>Gérer la charge de travail entre plusieurs machines</a:t>
+            </a:r>
+          </a:p>
+          <a:p>
+            <a:pPr marL="971550" lvl="1" indent="-514350">
+              <a:buFont typeface="+mj-lt"/>
+              <a:buAutoNum type="arabicPeriod"/>
+            </a:pPr>
+            <a:r>
+              <a:rPr lang="fr-FR" sz="1000" dirty="0"/>
+              <a:t>La maintenance et le </a:t>
+            </a:r>
+            <a:r>
+              <a:rPr lang="fr-FR" sz="1000" dirty="0" err="1"/>
+              <a:t>débug</a:t>
+            </a:r>
+            <a:r>
+              <a:rPr lang="fr-FR" sz="1000" dirty="0"/>
+              <a:t> sont simplifiés</a:t>
+            </a:r>
+          </a:p>
+          <a:p>
+            <a:pPr marL="514350" indent="-514350">
+              <a:buFont typeface="+mj-lt"/>
+              <a:buAutoNum type="arabicPeriod"/>
+            </a:pPr>
+            <a:r>
+              <a:rPr lang="fr-FR" sz="1400" dirty="0"/>
+              <a:t>Pourquoi créer beaucoup de tâche ?</a:t>
+            </a:r>
+          </a:p>
+          <a:p>
+            <a:pPr marL="971550" lvl="1" indent="-514350">
+              <a:buFont typeface="+mj-lt"/>
+              <a:buAutoNum type="arabicPeriod"/>
+            </a:pPr>
+            <a:r>
+              <a:rPr lang="fr-FR" sz="1000" dirty="0"/>
+              <a:t>Faciliter le </a:t>
+            </a:r>
+            <a:r>
+              <a:rPr lang="fr-FR" sz="1000" dirty="0" err="1"/>
+              <a:t>débug</a:t>
+            </a:r>
+            <a:r>
+              <a:rPr lang="fr-FR" sz="1000" dirty="0"/>
+              <a:t> </a:t>
+            </a:r>
+          </a:p>
+          <a:p>
+            <a:pPr marL="514350" indent="-514350">
+              <a:buFont typeface="+mj-lt"/>
+              <a:buAutoNum type="arabicPeriod"/>
+            </a:pPr>
+            <a:r>
+              <a:rPr lang="fr-FR" sz="1400" dirty="0"/>
+              <a:t>Pourquoi avoir réglé le Schedule sur </a:t>
+            </a:r>
+            <a:r>
+              <a:rPr lang="fr-FR" sz="1400" dirty="0" err="1"/>
+              <a:t>daily</a:t>
+            </a:r>
+            <a:r>
+              <a:rPr lang="fr-FR" sz="1400" dirty="0"/>
+              <a:t> ?</a:t>
+            </a:r>
+          </a:p>
+          <a:p>
+            <a:pPr marL="971550" lvl="1" indent="-514350">
+              <a:buFont typeface="+mj-lt"/>
+              <a:buAutoNum type="arabicPeriod"/>
+            </a:pPr>
+            <a:r>
+              <a:rPr lang="fr-FR" sz="1000" dirty="0"/>
+              <a:t>C’est simplement un choix  arbitraire de ma part. Il faudra le modifier en fonction de ce que l’on connait des rafraichissement des sources et des SLA désirés par le métier</a:t>
+            </a:r>
+          </a:p>
+          <a:p>
+            <a:pPr marL="971550" lvl="1" indent="-514350">
+              <a:buFont typeface="+mj-lt"/>
+              <a:buAutoNum type="arabicPeriod"/>
+            </a:pPr>
+            <a:r>
+              <a:rPr lang="fr-FR" sz="1000" dirty="0"/>
+              <a:t>+ Voir ma proposition sur l’implémentation d’un </a:t>
+            </a:r>
+            <a:r>
+              <a:rPr lang="fr-FR" sz="1000" dirty="0" err="1"/>
+              <a:t>webhook</a:t>
+            </a:r>
+            <a:r>
+              <a:rPr lang="fr-FR" sz="1000" dirty="0"/>
+              <a:t> en lien avec data </a:t>
+            </a:r>
+            <a:r>
+              <a:rPr lang="fr-FR" sz="1000" dirty="0" err="1"/>
+              <a:t>gouv</a:t>
+            </a:r>
+            <a:endParaRPr lang="fr-FR" sz="1000" dirty="0"/>
+          </a:p>
+          <a:p>
+            <a:pPr marL="971550" lvl="1" indent="-514350">
+              <a:buFont typeface="+mj-lt"/>
+              <a:buAutoNum type="arabicPeriod"/>
+            </a:pPr>
+            <a:r>
+              <a:rPr lang="fr-FR" sz="1000" dirty="0"/>
+              <a:t>Il faut noter que le DAG 4 contient une tâche « </a:t>
+            </a:r>
+            <a:r>
+              <a:rPr lang="fr-FR" sz="1000" dirty="0" err="1"/>
+              <a:t>ExternalTaskSensor</a:t>
+            </a:r>
+            <a:r>
+              <a:rPr lang="fr-FR" sz="1000" dirty="0"/>
+              <a:t> » qui ne peut s’exécuter que si la tâche est sur le même </a:t>
+            </a:r>
+            <a:r>
+              <a:rPr lang="fr-FR" sz="1000" dirty="0" err="1"/>
+              <a:t>schedule</a:t>
+            </a:r>
+            <a:r>
+              <a:rPr lang="fr-FR" sz="1000" dirty="0"/>
+              <a:t> que la tâche du DAG qu’il écoute (DAG 3)</a:t>
+            </a:r>
+          </a:p>
+        </p:txBody>
+      </p:sp>
     </p:spTree>
     <p:extLst>
       <p:ext uri="{BB962C8B-B14F-4D97-AF65-F5344CB8AC3E}">
@@ -8554,7 +8932,15 @@
             </a:r>
             <a:r>
               <a:rPr lang="fr-FR" sz="1000" dirty="0"/>
-              <a:t>, il ne l’est pas</a:t>
+              <a:t>, il ne l’est pas. La variable du hash est initialisée à </a:t>
+            </a:r>
+            <a:r>
+              <a:rPr lang="fr-FR" sz="1000" dirty="0" err="1"/>
+              <a:t>True</a:t>
+            </a:r>
+            <a:r>
+              <a:rPr lang="fr-FR" sz="1000" dirty="0"/>
+              <a:t> pour satisfaire la condition lors du premier run</a:t>
             </a:r>
           </a:p>
           <a:p>
@@ -8992,15 +9378,7 @@
             </a:r>
             <a:r>
               <a:rPr lang="fr-FR" sz="1000" dirty="0"/>
-              <a:t> essaie de détecter la </a:t>
-            </a:r>
-            <a:r>
-              <a:rPr lang="fr-FR" sz="1000" dirty="0" err="1"/>
-              <a:t>presence</a:t>
-            </a:r>
-            <a:r>
-              <a:rPr lang="fr-FR" sz="1000" dirty="0"/>
-              <a:t> des fichiers, dans le dossier </a:t>
+              <a:t> essaie de détecter la présence des fichiers, dans le dossier </a:t>
             </a:r>
             <a:r>
               <a:rPr lang="fr-FR" sz="1000" dirty="0" err="1"/>
@@ -9018,7 +9396,7 @@
             </a:pPr>
             <a:r>
               <a:rPr lang="fr-FR" sz="1000" dirty="0"/>
-              <a:t> Les tables sont crées et copiées en mode « Annule et remplace »</a:t>
+              <a:t>Les tables sont crées et copiées en mode « Annule et remplace »</a:t>
             </a:r>
           </a:p>
           <a:p>
@@ -9074,7 +9452,23 @@
             </a:r>
             <a:r>
               <a:rPr lang="fr-FR" sz="1000" dirty="0"/>
-              <a:t>, permettant de skipper la tâche s’ils ne détectent pas le fichier dans le répertoire dans le délai imparti. </a:t>
+              <a:t>, permettant de skipper la tâche s’ils ne détectent pas le fichier dans le répertoire dans le délai imparti. (voir </a:t>
+            </a:r>
+            <a:r>
+              <a:rPr lang="fr-FR" sz="1000" dirty="0" err="1"/>
+              <a:t>next</a:t>
+            </a:r>
+            <a:r>
+              <a:rPr lang="fr-FR" sz="1000" dirty="0"/>
+              <a:t> </a:t>
+            </a:r>
+            <a:r>
+              <a:rPr lang="fr-FR" sz="1000" dirty="0" err="1"/>
+              <a:t>steps</a:t>
+            </a:r>
+            <a:r>
+              <a:rPr lang="fr-FR" sz="1000" dirty="0"/>
+              <a:t>)</a:t>
             </a:r>
           </a:p>
           <a:p>
@@ -9956,20 +10350,20 @@
 </file>
 
 <file path=customXml/item2.xml><?xml version="1.0" encoding="utf-8"?>
+<p:properties xmlns:p="http://schemas.microsoft.com/office/2006/metadata/properties" xmlns:xsi="http://www.w3.org/2001/XMLSchema-instance" xmlns:pc="http://schemas.microsoft.com/office/infopath/2007/PartnerControls">
+  <documentManagement>
+    <_activity xmlns="2979fb8a-27ed-43f5-adc8-4ac5a38b341a" xsi:nil="true"/>
+  </documentManagement>
+</p:properties>
+</file>
+
+<file path=customXml/item3.xml><?xml version="1.0" encoding="utf-8"?>
 <?mso-contentType ?>
 <FormTemplates xmlns="http://schemas.microsoft.com/sharepoint/v3/contenttype/forms">
   <Display>DocumentLibraryForm</Display>
   <Edit>DocumentLibraryForm</Edit>
   <New>DocumentLibraryForm</New>
 </FormTemplates>
-</file>
-
-<file path=customXml/item3.xml><?xml version="1.0" encoding="utf-8"?>
-<p:properties xmlns:p="http://schemas.microsoft.com/office/2006/metadata/properties" xmlns:xsi="http://www.w3.org/2001/XMLSchema-instance" xmlns:pc="http://schemas.microsoft.com/office/infopath/2007/PartnerControls">
-  <documentManagement>
-    <_activity xmlns="2979fb8a-27ed-43f5-adc8-4ac5a38b341a" xsi:nil="true"/>
-  </documentManagement>
-</p:properties>
 </file>
 
 <file path=customXml/itemProps1.xml><?xml version="1.0" encoding="utf-8"?>
@@ -9991,14 +10385,6 @@
 </file>
 
 <file path=customXml/itemProps2.xml><?xml version="1.0" encoding="utf-8"?>
-<ds:datastoreItem xmlns:ds="http://schemas.openxmlformats.org/officeDocument/2006/customXml" ds:itemID="{7EAE29B9-4EEB-421F-9B5F-82BD6219F44F}">
-  <ds:schemaRefs>
-    <ds:schemaRef ds:uri="http://schemas.microsoft.com/sharepoint/v3/contenttype/forms"/>
-  </ds:schemaRefs>
-</ds:datastoreItem>
-</file>
-
-<file path=customXml/itemProps3.xml><?xml version="1.0" encoding="utf-8"?>
 <ds:datastoreItem xmlns:ds="http://schemas.openxmlformats.org/officeDocument/2006/customXml" ds:itemID="{675A9C27-4C25-4D75-A6E5-F61B01C736AA}">
   <ds:schemaRefs>
     <ds:schemaRef ds:uri="http://purl.org/dc/elements/1.1/"/>
@@ -10012,4 +10398,12 @@
     <ds:schemaRef ds:uri="http://purl.org/dc/terms/"/>
   </ds:schemaRefs>
 </ds:datastoreItem>
+</file>
+
+<file path=customXml/itemProps3.xml><?xml version="1.0" encoding="utf-8"?>
+<ds:datastoreItem xmlns:ds="http://schemas.openxmlformats.org/officeDocument/2006/customXml" ds:itemID="{7EAE29B9-4EEB-421F-9B5F-82BD6219F44F}">
+  <ds:schemaRefs>
+    <ds:schemaRef ds:uri="http://schemas.microsoft.com/sharepoint/v3/contenttype/forms"/>
+  </ds:schemaRefs>
+</ds:datastoreItem>
 </file>